--- a/Final Presentation.pptx
+++ b/Final Presentation.pptx
@@ -112,6 +112,11 @@
       </a:defRPr>
     </a:lvl9pPr>
   </p:defaultTextStyle>
+  <p:extLst>
+    <p:ext uri="{EFAFB233-063F-42B5-8137-9DF3F51BA10A}">
+      <p15:sldGuideLst xmlns:p15="http://schemas.microsoft.com/office/powerpoint/2012/main"/>
+    </p:ext>
+  </p:extLst>
 </p:presentation>
 </file>
 
@@ -301,7 +306,7 @@
           <a:p>
             <a:fld id="{4AAD347D-5ACD-4C99-B74B-A9C85AD731AF}" type="datetimeFigureOut">
               <a:rPr lang="en-US" dirty="0"/>
-              <a:t>2/24/2014</a:t>
+              <a:t>2/25/2014</a:t>
             </a:fld>
             <a:endParaRPr lang="en-US" dirty="0"/>
           </a:p>
@@ -571,7 +576,7 @@
           <a:p>
             <a:fld id="{4509A250-FF31-4206-8172-F9D3106AACB1}" type="datetimeFigureOut">
               <a:rPr lang="en-US" dirty="0"/>
-              <a:t>2/24/2014</a:t>
+              <a:t>2/25/2014</a:t>
             </a:fld>
             <a:endParaRPr lang="en-US" dirty="0"/>
           </a:p>
@@ -760,7 +765,7 @@
           <a:p>
             <a:fld id="{4509A250-FF31-4206-8172-F9D3106AACB1}" type="datetimeFigureOut">
               <a:rPr lang="en-US" dirty="0"/>
-              <a:t>2/24/2014</a:t>
+              <a:t>2/25/2014</a:t>
             </a:fld>
             <a:endParaRPr lang="en-US" dirty="0"/>
           </a:p>
@@ -1028,7 +1033,7 @@
           <a:p>
             <a:fld id="{4509A250-FF31-4206-8172-F9D3106AACB1}" type="datetimeFigureOut">
               <a:rPr lang="en-US" dirty="0"/>
-              <a:t>2/24/2014</a:t>
+              <a:t>2/25/2014</a:t>
             </a:fld>
             <a:endParaRPr lang="en-US" dirty="0"/>
           </a:p>
@@ -1364,7 +1369,7 @@
           <a:p>
             <a:fld id="{4509A250-FF31-4206-8172-F9D3106AACB1}" type="datetimeFigureOut">
               <a:rPr lang="en-US" dirty="0"/>
-              <a:t>2/24/2014</a:t>
+              <a:t>2/25/2014</a:t>
             </a:fld>
             <a:endParaRPr lang="en-US" dirty="0"/>
           </a:p>
@@ -1982,7 +1987,7 @@
           <a:p>
             <a:fld id="{4509A250-FF31-4206-8172-F9D3106AACB1}" type="datetimeFigureOut">
               <a:rPr lang="en-US" dirty="0"/>
-              <a:t>2/24/2014</a:t>
+              <a:t>2/25/2014</a:t>
             </a:fld>
             <a:endParaRPr lang="en-US" dirty="0"/>
           </a:p>
@@ -2837,7 +2842,7 @@
           <a:p>
             <a:fld id="{4509A250-FF31-4206-8172-F9D3106AACB1}" type="datetimeFigureOut">
               <a:rPr lang="en-US" dirty="0"/>
-              <a:t>2/24/2014</a:t>
+              <a:t>2/25/2014</a:t>
             </a:fld>
             <a:endParaRPr lang="en-US" dirty="0"/>
           </a:p>
@@ -3002,7 +3007,7 @@
           <a:p>
             <a:fld id="{4509A250-FF31-4206-8172-F9D3106AACB1}" type="datetimeFigureOut">
               <a:rPr lang="en-US" dirty="0"/>
-              <a:t>2/24/2014</a:t>
+              <a:t>2/25/2014</a:t>
             </a:fld>
             <a:endParaRPr lang="en-US" dirty="0"/>
           </a:p>
@@ -3177,7 +3182,7 @@
           <a:p>
             <a:fld id="{4509A250-FF31-4206-8172-F9D3106AACB1}" type="datetimeFigureOut">
               <a:rPr lang="en-US" dirty="0"/>
-              <a:t>2/24/2014</a:t>
+              <a:t>2/25/2014</a:t>
             </a:fld>
             <a:endParaRPr lang="en-US" dirty="0"/>
           </a:p>
@@ -3342,7 +3347,7 @@
           <a:p>
             <a:fld id="{4509A250-FF31-4206-8172-F9D3106AACB1}" type="datetimeFigureOut">
               <a:rPr lang="en-US" dirty="0"/>
-              <a:t>2/24/2014</a:t>
+              <a:t>2/25/2014</a:t>
             </a:fld>
             <a:endParaRPr lang="en-US" dirty="0"/>
           </a:p>
@@ -3584,7 +3589,7 @@
           <a:p>
             <a:fld id="{9796027F-7875-4030-9381-8BD8C4F21935}" type="datetimeFigureOut">
               <a:rPr lang="en-US" dirty="0"/>
-              <a:t>2/24/2014</a:t>
+              <a:t>2/25/2014</a:t>
             </a:fld>
             <a:endParaRPr lang="en-US" dirty="0"/>
           </a:p>
@@ -3871,7 +3876,7 @@
           <a:p>
             <a:fld id="{9796027F-7875-4030-9381-8BD8C4F21935}" type="datetimeFigureOut">
               <a:rPr lang="en-US" dirty="0"/>
-              <a:t>2/24/2014</a:t>
+              <a:t>2/25/2014</a:t>
             </a:fld>
             <a:endParaRPr lang="en-US" dirty="0"/>
           </a:p>
@@ -4310,7 +4315,7 @@
           <a:p>
             <a:fld id="{9796027F-7875-4030-9381-8BD8C4F21935}" type="datetimeFigureOut">
               <a:rPr lang="en-US" dirty="0"/>
-              <a:t>2/24/2014</a:t>
+              <a:t>2/25/2014</a:t>
             </a:fld>
             <a:endParaRPr lang="en-US" dirty="0"/>
           </a:p>
@@ -4423,7 +4428,7 @@
           <a:p>
             <a:fld id="{4509A250-FF31-4206-8172-F9D3106AACB1}" type="datetimeFigureOut">
               <a:rPr lang="en-US" dirty="0"/>
-              <a:t>2/24/2014</a:t>
+              <a:t>2/25/2014</a:t>
             </a:fld>
             <a:endParaRPr lang="en-US" dirty="0"/>
           </a:p>
@@ -4513,7 +4518,7 @@
           <a:p>
             <a:fld id="{4509A250-FF31-4206-8172-F9D3106AACB1}" type="datetimeFigureOut">
               <a:rPr lang="en-US" dirty="0"/>
-              <a:t>2/24/2014</a:t>
+              <a:t>2/25/2014</a:t>
             </a:fld>
             <a:endParaRPr lang="en-US" dirty="0"/>
           </a:p>
@@ -4787,7 +4792,7 @@
           <a:p>
             <a:fld id="{4509A250-FF31-4206-8172-F9D3106AACB1}" type="datetimeFigureOut">
               <a:rPr lang="en-US" dirty="0"/>
-              <a:t>2/24/2014</a:t>
+              <a:t>2/25/2014</a:t>
             </a:fld>
             <a:endParaRPr lang="en-US" dirty="0"/>
           </a:p>
@@ -5057,7 +5062,7 @@
           <a:p>
             <a:fld id="{4509A250-FF31-4206-8172-F9D3106AACB1}" type="datetimeFigureOut">
               <a:rPr lang="en-US" dirty="0"/>
-              <a:t>2/24/2014</a:t>
+              <a:t>2/25/2014</a:t>
             </a:fld>
             <a:endParaRPr lang="en-US" dirty="0"/>
           </a:p>
@@ -5481,7 +5486,7 @@
           <a:p>
             <a:fld id="{4AAD347D-5ACD-4C99-B74B-A9C85AD731AF}" type="datetimeFigureOut">
               <a:rPr lang="en-US" dirty="0"/>
-              <a:t>2/24/2014</a:t>
+              <a:t>2/25/2014</a:t>
             </a:fld>
             <a:endParaRPr lang="en-US" dirty="0"/>
           </a:p>
@@ -6306,17 +6311,23 @@
         </p:nvSpPr>
         <p:spPr/>
         <p:txBody>
-          <a:bodyPr/>
+          <a:bodyPr>
+            <a:normAutofit/>
+          </a:bodyPr>
           <a:lstStyle/>
           <a:p>
             <a:pPr marL="0" indent="0">
               <a:buNone/>
             </a:pPr>
             <a:r>
-              <a:rPr lang="en-US" dirty="0" smtClean="0"/>
-              <a:t>Video to be placed here</a:t>
-            </a:r>
-            <a:endParaRPr lang="en-US" dirty="0"/>
+              <a:rPr lang="en-US" sz="5400" dirty="0" smtClean="0"/>
+              <a:t>Enjoy </a:t>
+            </a:r>
+            <a:r>
+              <a:rPr lang="en-US" sz="5400" smtClean="0"/>
+              <a:t>the demo!</a:t>
+            </a:r>
+            <a:endParaRPr lang="en-US" sz="5400" dirty="0"/>
           </a:p>
         </p:txBody>
       </p:sp>

--- a/Final Presentation.pptx
+++ b/Final Presentation.pptx
@@ -13,7 +13,8 @@
     <p:sldId id="261" r:id="rId7"/>
     <p:sldId id="262" r:id="rId8"/>
     <p:sldId id="263" r:id="rId9"/>
-    <p:sldId id="260" r:id="rId10"/>
+    <p:sldId id="265" r:id="rId10"/>
+    <p:sldId id="260" r:id="rId11"/>
   </p:sldIdLst>
   <p:sldSz cx="12192000" cy="6858000"/>
   <p:notesSz cx="6858000" cy="9144000"/>
@@ -114,7 +115,7 @@
   </p:defaultTextStyle>
   <p:extLst>
     <p:ext uri="{EFAFB233-063F-42B5-8137-9DF3F51BA10A}">
-      <p15:sldGuideLst xmlns:p15="http://schemas.microsoft.com/office/powerpoint/2012/main"/>
+      <p15:sldGuideLst xmlns:p15="http://schemas.microsoft.com/office/powerpoint/2012/main" xmlns=""/>
     </p:ext>
   </p:extLst>
 </p:presentation>
@@ -6066,6 +6067,149 @@
   <p:clrMapOvr>
     <a:masterClrMapping/>
   </p:clrMapOvr>
+  <p:timing>
+    <p:tnLst>
+      <p:par>
+        <p:cTn id="1" dur="indefinite" restart="never" nodeType="tmRoot"/>
+      </p:par>
+    </p:tnLst>
+  </p:timing>
+</p:sld>
+</file>
+
+<file path=ppt/slides/slide10.xml><?xml version="1.0" encoding="utf-8"?>
+<p:sld xmlns:a="http://schemas.openxmlformats.org/drawingml/2006/main" xmlns:r="http://schemas.openxmlformats.org/officeDocument/2006/relationships" xmlns:p="http://schemas.openxmlformats.org/presentationml/2006/main">
+  <p:cSld>
+    <p:spTree>
+      <p:nvGrpSpPr>
+        <p:cNvPr id="1" name=""/>
+        <p:cNvGrpSpPr/>
+        <p:nvPr/>
+      </p:nvGrpSpPr>
+      <p:grpSpPr>
+        <a:xfrm>
+          <a:off x="0" y="0"/>
+          <a:ext cx="0" cy="0"/>
+          <a:chOff x="0" y="0"/>
+          <a:chExt cx="0" cy="0"/>
+        </a:xfrm>
+      </p:grpSpPr>
+      <p:sp>
+        <p:nvSpPr>
+          <p:cNvPr id="2" name="Title 1"/>
+          <p:cNvSpPr>
+            <a:spLocks noGrp="1"/>
+          </p:cNvSpPr>
+          <p:nvPr>
+            <p:ph type="title"/>
+          </p:nvPr>
+        </p:nvSpPr>
+        <p:spPr/>
+        <p:txBody>
+          <a:bodyPr/>
+          <a:lstStyle/>
+          <a:p>
+            <a:r>
+              <a:rPr lang="en-US" dirty="0" smtClean="0"/>
+              <a:t>Thanks</a:t>
+            </a:r>
+            <a:endParaRPr lang="en-US" dirty="0"/>
+          </a:p>
+        </p:txBody>
+      </p:sp>
+      <p:sp>
+        <p:nvSpPr>
+          <p:cNvPr id="3" name="Content Placeholder 2"/>
+          <p:cNvSpPr>
+            <a:spLocks noGrp="1"/>
+          </p:cNvSpPr>
+          <p:nvPr>
+            <p:ph idx="1"/>
+          </p:nvPr>
+        </p:nvSpPr>
+        <p:spPr/>
+        <p:txBody>
+          <a:bodyPr/>
+          <a:lstStyle/>
+          <a:p>
+            <a:r>
+              <a:rPr lang="en-US" dirty="0" smtClean="0"/>
+              <a:t>Gracias</a:t>
+            </a:r>
+          </a:p>
+          <a:p>
+            <a:r>
+              <a:rPr lang="en-US" dirty="0" smtClean="0"/>
+              <a:t>Merci</a:t>
+            </a:r>
+          </a:p>
+          <a:p>
+            <a:r>
+              <a:rPr lang="en-US" dirty="0" err="1" smtClean="0"/>
+              <a:t>Danke</a:t>
+            </a:r>
+            <a:endParaRPr lang="en-US" dirty="0" smtClean="0"/>
+          </a:p>
+          <a:p>
+            <a:r>
+              <a:rPr lang="en-US" dirty="0" smtClean="0"/>
+              <a:t>Grazie</a:t>
+            </a:r>
+          </a:p>
+          <a:p>
+            <a:r>
+              <a:rPr lang="el-GR" dirty="0" smtClean="0"/>
+              <a:t>Ευχαριστώ</a:t>
+            </a:r>
+            <a:endParaRPr lang="en-US" dirty="0" smtClean="0"/>
+          </a:p>
+          <a:p>
+            <a:r>
+              <a:rPr lang="en-US" dirty="0" smtClean="0"/>
+              <a:t>Mahalo</a:t>
+            </a:r>
+          </a:p>
+          <a:p>
+            <a:r>
+              <a:rPr lang="en-US" dirty="0" err="1"/>
+              <a:t>Gratias</a:t>
+            </a:r>
+            <a:r>
+              <a:rPr lang="en-US" dirty="0"/>
+              <a:t> </a:t>
+            </a:r>
+            <a:r>
+              <a:rPr lang="en-US" dirty="0" err="1"/>
+              <a:t>T</a:t>
+            </a:r>
+            <a:r>
+              <a:rPr lang="en-US" smtClean="0"/>
+              <a:t>ibi</a:t>
+            </a:r>
+            <a:r>
+              <a:rPr lang="en-US" dirty="0" smtClean="0"/>
+              <a:t> Ago</a:t>
+            </a:r>
+          </a:p>
+        </p:txBody>
+      </p:sp>
+    </p:spTree>
+    <p:extLst>
+      <p:ext uri="{BB962C8B-B14F-4D97-AF65-F5344CB8AC3E}">
+        <p14:creationId xmlns:p14="http://schemas.microsoft.com/office/powerpoint/2010/main" val="2215159627"/>
+      </p:ext>
+    </p:extLst>
+  </p:cSld>
+  <p:clrMapOvr>
+    <a:masterClrMapping/>
+  </p:clrMapOvr>
+  <p:timing>
+    <p:tnLst>
+      <p:par>
+        <p:cTn id="1" dur="indefinite" restart="never" nodeType="tmRoot"/>
+      </p:par>
+    </p:tnLst>
+  </p:timing>
 </p:sld>
 </file>
 
@@ -6164,6 +6308,13 @@
   <p:clrMapOvr>
     <a:masterClrMapping/>
   </p:clrMapOvr>
+  <p:timing>
+    <p:tnLst>
+      <p:par>
+        <p:cTn id="1" dur="indefinite" restart="never" nodeType="tmRoot"/>
+      </p:par>
+    </p:tnLst>
+  </p:timing>
 </p:sld>
 </file>
 
@@ -6256,6 +6407,13 @@
   <p:clrMapOvr>
     <a:masterClrMapping/>
   </p:clrMapOvr>
+  <p:timing>
+    <p:tnLst>
+      <p:par>
+        <p:cTn id="1" dur="indefinite" restart="never" nodeType="tmRoot"/>
+      </p:par>
+    </p:tnLst>
+  </p:timing>
 </p:sld>
 </file>
 
@@ -6341,6 +6499,13 @@
   <p:clrMapOvr>
     <a:masterClrMapping/>
   </p:clrMapOvr>
+  <p:timing>
+    <p:tnLst>
+      <p:par>
+        <p:cTn id="1" dur="indefinite" restart="never" nodeType="tmRoot"/>
+      </p:par>
+    </p:tnLst>
+  </p:timing>
 </p:sld>
 </file>
 
@@ -6447,6 +6612,13 @@
   <p:clrMapOvr>
     <a:masterClrMapping/>
   </p:clrMapOvr>
+  <p:timing>
+    <p:tnLst>
+      <p:par>
+        <p:cTn id="1" dur="indefinite" restart="never" nodeType="tmRoot"/>
+      </p:par>
+    </p:tnLst>
+  </p:timing>
 </p:sld>
 </file>
 
@@ -6547,6 +6719,13 @@
   <p:clrMapOvr>
     <a:masterClrMapping/>
   </p:clrMapOvr>
+  <p:timing>
+    <p:tnLst>
+      <p:par>
+        <p:cTn id="1" dur="indefinite" restart="never" nodeType="tmRoot"/>
+      </p:par>
+    </p:tnLst>
+  </p:timing>
 </p:sld>
 </file>
 
@@ -6643,6 +6822,13 @@
   <p:clrMapOvr>
     <a:masterClrMapping/>
   </p:clrMapOvr>
+  <p:timing>
+    <p:tnLst>
+      <p:par>
+        <p:cTn id="1" dur="indefinite" restart="never" nodeType="tmRoot"/>
+      </p:par>
+    </p:tnLst>
+  </p:timing>
 </p:sld>
 </file>
 
@@ -6733,6 +6919,13 @@
   <p:clrMapOvr>
     <a:masterClrMapping/>
   </p:clrMapOvr>
+  <p:timing>
+    <p:tnLst>
+      <p:par>
+        <p:cTn id="1" dur="indefinite" restart="never" nodeType="tmRoot"/>
+      </p:par>
+    </p:tnLst>
+  </p:timing>
 </p:sld>
 </file>
 
@@ -6763,14 +6956,19 @@
             <p:ph type="title"/>
           </p:nvPr>
         </p:nvSpPr>
-        <p:spPr/>
+        <p:spPr>
+          <a:xfrm>
+            <a:off x="3621130" y="2049698"/>
+            <a:ext cx="9404723" cy="1400530"/>
+          </a:xfrm>
+        </p:spPr>
         <p:txBody>
           <a:bodyPr/>
           <a:lstStyle/>
           <a:p>
             <a:r>
               <a:rPr lang="en-US" dirty="0" smtClean="0"/>
-              <a:t>Thanks</a:t>
+              <a:t>Questions?</a:t>
             </a:r>
             <a:endParaRPr lang="en-US" dirty="0"/>
           </a:p>
@@ -6786,82 +6984,41 @@
             <p:ph idx="1"/>
           </p:nvPr>
         </p:nvSpPr>
-        <p:spPr/>
+        <p:spPr>
+          <a:xfrm>
+            <a:off x="2661656" y="3173381"/>
+            <a:ext cx="8946541" cy="819071"/>
+          </a:xfrm>
+        </p:spPr>
         <p:txBody>
           <a:bodyPr/>
           <a:lstStyle/>
           <a:p>
             <a:r>
               <a:rPr lang="en-US" dirty="0" smtClean="0"/>
-              <a:t>Gracias</a:t>
-            </a:r>
-          </a:p>
-          <a:p>
-            <a:r>
-              <a:rPr lang="en-US" dirty="0" smtClean="0"/>
-              <a:t>Merci</a:t>
-            </a:r>
-          </a:p>
-          <a:p>
-            <a:r>
-              <a:rPr lang="en-US" dirty="0" err="1" smtClean="0"/>
-              <a:t>Danke</a:t>
-            </a:r>
-            <a:endParaRPr lang="en-US" dirty="0" smtClean="0"/>
-          </a:p>
-          <a:p>
-            <a:r>
-              <a:rPr lang="en-US" dirty="0" smtClean="0"/>
-              <a:t>Grazie</a:t>
-            </a:r>
-          </a:p>
-          <a:p>
-            <a:r>
-              <a:rPr lang="el-GR" dirty="0" smtClean="0"/>
-              <a:t>Ευχαριστώ</a:t>
-            </a:r>
-            <a:endParaRPr lang="en-US" dirty="0" smtClean="0"/>
-          </a:p>
-          <a:p>
-            <a:r>
-              <a:rPr lang="en-US" dirty="0" smtClean="0"/>
-              <a:t>Mahalo</a:t>
-            </a:r>
-          </a:p>
-          <a:p>
-            <a:r>
-              <a:rPr lang="en-US" dirty="0" err="1"/>
-              <a:t>Gratias</a:t>
-            </a:r>
-            <a:r>
-              <a:rPr lang="en-US" dirty="0"/>
-              <a:t> </a:t>
-            </a:r>
-            <a:r>
-              <a:rPr lang="en-US" dirty="0" err="1"/>
-              <a:t>T</a:t>
-            </a:r>
-            <a:r>
-              <a:rPr lang="en-US" smtClean="0"/>
-              <a:t>ibi</a:t>
-            </a:r>
-            <a:r>
-              <a:rPr lang="en-US" dirty="0" smtClean="0"/>
-              <a:t> Ago</a:t>
-            </a:r>
+              <a:t>Professors and Students Welcome</a:t>
+            </a:r>
+            <a:endParaRPr lang="en-US" dirty="0"/>
           </a:p>
         </p:txBody>
       </p:sp>
     </p:spTree>
     <p:extLst>
       <p:ext uri="{BB962C8B-B14F-4D97-AF65-F5344CB8AC3E}">
-        <p14:creationId xmlns:p14="http://schemas.microsoft.com/office/powerpoint/2010/main" val="2215159627"/>
+        <p14:creationId xmlns:p14="http://schemas.microsoft.com/office/powerpoint/2010/main" val="116471387"/>
       </p:ext>
     </p:extLst>
   </p:cSld>
   <p:clrMapOvr>
     <a:masterClrMapping/>
   </p:clrMapOvr>
+  <p:timing>
+    <p:tnLst>
+      <p:par>
+        <p:cTn id="1" dur="indefinite" restart="never" nodeType="tmRoot"/>
+      </p:par>
+    </p:tnLst>
+  </p:timing>
 </p:sld>
 </file>
 
@@ -7125,7 +7282,7 @@
   <a:extraClrSchemeLst/>
   <a:extLst>
     <a:ext uri="{05A4C25C-085E-4340-85A3-A5531E510DB2}">
-      <thm15:themeFamily xmlns:thm15="http://schemas.microsoft.com/office/thememl/2012/main" name="Ion" id="{B8441ADB-2E43-4AF7-B97A-BD870242C6A8}" vid="{292E63A9-BB86-4E3D-B92A-7223C6510D2E}"/>
+      <thm15:themeFamily xmlns:thm15="http://schemas.microsoft.com/office/thememl/2012/main" xmlns="" name="Ion" id="{B8441ADB-2E43-4AF7-B97A-BD870242C6A8}" vid="{292E63A9-BB86-4E3D-B92A-7223C6510D2E}"/>
     </a:ext>
   </a:extLst>
 </a:theme>
